--- a/TCCApresentaçãonNovaDefinida.pptx
+++ b/TCCApresentaçãonNovaDefinida.pptx
@@ -1391,7 +1391,7 @@
           <a:p>
             <a:fld id="{C5F47BAE-871B-401A-ADFC-7E274EE33322}" type="datetimeFigureOut">
               <a:rPr lang="pt-BR" smtClean="0"/>
-              <a:t>14/11/2019</a:t>
+              <a:t>22/11/2019</a:t>
             </a:fld>
             <a:endParaRPr lang="pt-BR"/>
           </a:p>
@@ -1589,7 +1589,7 @@
           <a:p>
             <a:fld id="{C5F47BAE-871B-401A-ADFC-7E274EE33322}" type="datetimeFigureOut">
               <a:rPr lang="pt-BR" smtClean="0"/>
-              <a:t>14/11/2019</a:t>
+              <a:t>22/11/2019</a:t>
             </a:fld>
             <a:endParaRPr lang="pt-BR"/>
           </a:p>
@@ -1797,7 +1797,7 @@
           <a:p>
             <a:fld id="{C5F47BAE-871B-401A-ADFC-7E274EE33322}" type="datetimeFigureOut">
               <a:rPr lang="pt-BR" smtClean="0"/>
-              <a:t>14/11/2019</a:t>
+              <a:t>22/11/2019</a:t>
             </a:fld>
             <a:endParaRPr lang="pt-BR"/>
           </a:p>
@@ -1995,7 +1995,7 @@
           <a:p>
             <a:fld id="{C5F47BAE-871B-401A-ADFC-7E274EE33322}" type="datetimeFigureOut">
               <a:rPr lang="pt-BR" smtClean="0"/>
-              <a:t>14/11/2019</a:t>
+              <a:t>22/11/2019</a:t>
             </a:fld>
             <a:endParaRPr lang="pt-BR"/>
           </a:p>
@@ -2270,7 +2270,7 @@
           <a:p>
             <a:fld id="{C5F47BAE-871B-401A-ADFC-7E274EE33322}" type="datetimeFigureOut">
               <a:rPr lang="pt-BR" smtClean="0"/>
-              <a:t>14/11/2019</a:t>
+              <a:t>22/11/2019</a:t>
             </a:fld>
             <a:endParaRPr lang="pt-BR"/>
           </a:p>
@@ -2535,7 +2535,7 @@
           <a:p>
             <a:fld id="{C5F47BAE-871B-401A-ADFC-7E274EE33322}" type="datetimeFigureOut">
               <a:rPr lang="pt-BR" smtClean="0"/>
-              <a:t>14/11/2019</a:t>
+              <a:t>22/11/2019</a:t>
             </a:fld>
             <a:endParaRPr lang="pt-BR"/>
           </a:p>
@@ -2947,7 +2947,7 @@
           <a:p>
             <a:fld id="{C5F47BAE-871B-401A-ADFC-7E274EE33322}" type="datetimeFigureOut">
               <a:rPr lang="pt-BR" smtClean="0"/>
-              <a:t>14/11/2019</a:t>
+              <a:t>22/11/2019</a:t>
             </a:fld>
             <a:endParaRPr lang="pt-BR"/>
           </a:p>
@@ -3088,7 +3088,7 @@
           <a:p>
             <a:fld id="{C5F47BAE-871B-401A-ADFC-7E274EE33322}" type="datetimeFigureOut">
               <a:rPr lang="pt-BR" smtClean="0"/>
-              <a:t>14/11/2019</a:t>
+              <a:t>22/11/2019</a:t>
             </a:fld>
             <a:endParaRPr lang="pt-BR"/>
           </a:p>
@@ -3201,7 +3201,7 @@
           <a:p>
             <a:fld id="{C5F47BAE-871B-401A-ADFC-7E274EE33322}" type="datetimeFigureOut">
               <a:rPr lang="pt-BR" smtClean="0"/>
-              <a:t>14/11/2019</a:t>
+              <a:t>22/11/2019</a:t>
             </a:fld>
             <a:endParaRPr lang="pt-BR"/>
           </a:p>
@@ -3512,7 +3512,7 @@
           <a:p>
             <a:fld id="{C5F47BAE-871B-401A-ADFC-7E274EE33322}" type="datetimeFigureOut">
               <a:rPr lang="pt-BR" smtClean="0"/>
-              <a:t>14/11/2019</a:t>
+              <a:t>22/11/2019</a:t>
             </a:fld>
             <a:endParaRPr lang="pt-BR"/>
           </a:p>
@@ -3800,7 +3800,7 @@
           <a:p>
             <a:fld id="{C5F47BAE-871B-401A-ADFC-7E274EE33322}" type="datetimeFigureOut">
               <a:rPr lang="pt-BR" smtClean="0"/>
-              <a:t>14/11/2019</a:t>
+              <a:t>22/11/2019</a:t>
             </a:fld>
             <a:endParaRPr lang="pt-BR"/>
           </a:p>
@@ -4041,7 +4041,7 @@
           <a:p>
             <a:fld id="{C5F47BAE-871B-401A-ADFC-7E274EE33322}" type="datetimeFigureOut">
               <a:rPr lang="pt-BR" smtClean="0"/>
-              <a:t>14/11/2019</a:t>
+              <a:t>22/11/2019</a:t>
             </a:fld>
             <a:endParaRPr lang="pt-BR"/>
           </a:p>
@@ -6850,15 +6850,7 @@
                   <a:srgbClr val="E2C560"/>
                 </a:solidFill>
               </a:rPr>
-              <a:t>A </a:t>
-            </a:r>
-            <a:r>
-              <a:rPr lang="pt-BR" sz="2000" dirty="0" smtClean="0">
-                <a:solidFill>
-                  <a:srgbClr val="E2C560"/>
-                </a:solidFill>
-              </a:rPr>
-              <a:t>metodologia utilizada no Desenvolvimento do Sistema </a:t>
+              <a:t>A metodologia utilizada no Desenvolvimento do Sistema </a:t>
             </a:r>
             <a:r>
               <a:rPr lang="pt-BR" sz="2000" dirty="0">
@@ -6874,31 +6866,7 @@
                   <a:srgbClr val="E2C560"/>
                 </a:solidFill>
               </a:rPr>
-              <a:t>. foi em cascata, na qual o plano segue uma série de passos ordenados </a:t>
-            </a:r>
-            <a:r>
-              <a:rPr lang="pt-BR" sz="2000" dirty="0" smtClean="0">
-                <a:solidFill>
-                  <a:srgbClr val="E2C560"/>
-                </a:solidFill>
-              </a:rPr>
-              <a:t>como o levantamento </a:t>
-            </a:r>
-            <a:r>
-              <a:rPr lang="pt-BR" sz="2000" dirty="0" smtClean="0">
-                <a:solidFill>
-                  <a:srgbClr val="E2C560"/>
-                </a:solidFill>
-              </a:rPr>
-              <a:t>de requisitos, concepção, modelagem, codificação e </a:t>
-            </a:r>
-            <a:r>
-              <a:rPr lang="pt-BR" sz="2000" dirty="0" smtClean="0">
-                <a:solidFill>
-                  <a:srgbClr val="E2C560"/>
-                </a:solidFill>
-              </a:rPr>
-              <a:t>testes.</a:t>
+              <a:t>. foi em cascata, na qual o plano segue uma série de passos ordenados como o levantamento de requisitos, concepção, modelagem, codificação e testes.</a:t>
             </a:r>
             <a:endParaRPr lang="pt-BR" sz="2000" dirty="0">
               <a:solidFill>
@@ -7987,7 +7955,7 @@
       </p:pic>
       <p:pic>
         <p:nvPicPr>
-          <p:cNvPr id="4" name="Imagem 3"/>
+          <p:cNvPr id="3" name="Imagem 2"/>
           <p:cNvPicPr>
             <a:picLocks noChangeAspect="1"/>
           </p:cNvPicPr>
@@ -8007,8 +7975,8 @@
         </p:blipFill>
         <p:spPr>
           <a:xfrm>
-            <a:off x="2258909" y="1251012"/>
-            <a:ext cx="7980590" cy="5161949"/>
+            <a:off x="2186484" y="1202666"/>
+            <a:ext cx="7878298" cy="5150561"/>
           </a:xfrm>
           <a:prstGeom prst="rect">
             <a:avLst/>
@@ -17149,11 +17117,11 @@
   <p:clrMapOvr>
     <a:masterClrMapping/>
   </p:clrMapOvr>
-  <mc:AlternateContent xmlns:mc="http://schemas.openxmlformats.org/markup-compatibility/2006">
-    <mc:Choice xmlns:p14="http://schemas.microsoft.com/office/powerpoint/2010/main" Requires="p14">
+  <mc:AlternateContent xmlns:mc="http://schemas.openxmlformats.org/markup-compatibility/2006" xmlns:p14="http://schemas.microsoft.com/office/powerpoint/2010/main">
+    <mc:Choice Requires="p14">
       <p:transition spd="slow" p14:dur="2000"/>
     </mc:Choice>
-    <mc:Fallback>
+    <mc:Fallback xmlns="">
       <p:transition spd="slow"/>
     </mc:Fallback>
   </mc:AlternateContent>
@@ -22967,7 +22935,7 @@
         </p:nvSpPr>
         <p:spPr>
           <a:xfrm>
-            <a:off x="4182010" y="4409091"/>
+            <a:off x="4182011" y="4199707"/>
             <a:ext cx="6889645" cy="830997"/>
           </a:xfrm>
           <a:prstGeom prst="rect">
@@ -23081,7 +23049,7 @@
         </p:nvSpPr>
         <p:spPr>
           <a:xfrm>
-            <a:off x="4430879" y="2374173"/>
+            <a:off x="4444209" y="2486003"/>
             <a:ext cx="6898390" cy="830997"/>
           </a:xfrm>
           <a:prstGeom prst="rect">
@@ -23137,120 +23105,6 @@
                 </a:effectLst>
               </a:rPr>
               <a:t>-Apenas usuários com permissão de administrador podem ter acesso ao sistema.</a:t>
-            </a:r>
-            <a:endParaRPr lang="pt-BR" sz="2400" b="1" i="1" dirty="0">
-              <a:ln w="0">
-                <a:solidFill>
-                  <a:schemeClr val="tx1"/>
-                </a:solidFill>
-              </a:ln>
-              <a:gradFill flip="none" rotWithShape="1">
-                <a:gsLst>
-                  <a:gs pos="0">
-                    <a:schemeClr val="accent4">
-                      <a:lumMod val="40000"/>
-                      <a:lumOff val="60000"/>
-                    </a:schemeClr>
-                  </a:gs>
-                  <a:gs pos="49000">
-                    <a:schemeClr val="accent4">
-                      <a:lumMod val="40000"/>
-                      <a:lumOff val="60000"/>
-                    </a:schemeClr>
-                  </a:gs>
-                  <a:gs pos="100000">
-                    <a:schemeClr val="accent4">
-                      <a:lumMod val="20000"/>
-                      <a:lumOff val="80000"/>
-                    </a:schemeClr>
-                  </a:gs>
-                </a:gsLst>
-                <a:path path="circle">
-                  <a:fillToRect l="50000" t="50000" r="50000" b="50000"/>
-                </a:path>
-                <a:tileRect/>
-              </a:gradFill>
-              <a:effectLst>
-                <a:outerShdw blurRad="88900" dist="19050" dir="2700000" algn="tl" rotWithShape="0">
-                  <a:schemeClr val="dk1">
-                    <a:alpha val="40000"/>
-                  </a:schemeClr>
-                </a:outerShdw>
-              </a:effectLst>
-            </a:endParaRPr>
-          </a:p>
-        </p:txBody>
-      </p:sp>
-      <p:sp>
-        <p:nvSpPr>
-          <p:cNvPr id="22" name="Retângulo 21">
-            <a:extLst>
-              <a:ext uri="{FF2B5EF4-FFF2-40B4-BE49-F238E27FC236}">
-                <a16:creationId xmlns:a16="http://schemas.microsoft.com/office/drawing/2014/main" id="{00E263E0-5D70-4189-8829-4AB99162B794}"/>
-              </a:ext>
-            </a:extLst>
-          </p:cNvPr>
-          <p:cNvSpPr/>
-          <p:nvPr/>
-        </p:nvSpPr>
-        <p:spPr>
-          <a:xfrm>
-            <a:off x="4514089" y="3340865"/>
-            <a:ext cx="6898390" cy="830997"/>
-          </a:xfrm>
-          <a:prstGeom prst="rect">
-            <a:avLst/>
-          </a:prstGeom>
-        </p:spPr>
-        <p:txBody>
-          <a:bodyPr wrap="square" lIns="91440" tIns="45720" rIns="91440" bIns="45720">
-            <a:spAutoFit/>
-          </a:bodyPr>
-          <a:lstStyle/>
-          <a:p>
-            <a:pPr algn="ctr"/>
-            <a:r>
-              <a:rPr lang="pt-BR" sz="2400" b="1" i="1" dirty="0" smtClean="0">
-                <a:ln w="0">
-                  <a:solidFill>
-                    <a:schemeClr val="tx1"/>
-                  </a:solidFill>
-                </a:ln>
-                <a:gradFill flip="none" rotWithShape="1">
-                  <a:gsLst>
-                    <a:gs pos="0">
-                      <a:schemeClr val="accent4">
-                        <a:lumMod val="40000"/>
-                        <a:lumOff val="60000"/>
-                      </a:schemeClr>
-                    </a:gs>
-                    <a:gs pos="49000">
-                      <a:schemeClr val="accent4">
-                        <a:lumMod val="40000"/>
-                        <a:lumOff val="60000"/>
-                      </a:schemeClr>
-                    </a:gs>
-                    <a:gs pos="100000">
-                      <a:schemeClr val="accent4">
-                        <a:lumMod val="20000"/>
-                        <a:lumOff val="80000"/>
-                      </a:schemeClr>
-                    </a:gs>
-                  </a:gsLst>
-                  <a:path path="circle">
-                    <a:fillToRect l="50000" t="50000" r="50000" b="50000"/>
-                  </a:path>
-                  <a:tileRect/>
-                </a:gradFill>
-                <a:effectLst>
-                  <a:outerShdw blurRad="88900" dist="19050" dir="2700000" algn="tl" rotWithShape="0">
-                    <a:schemeClr val="dk1">
-                      <a:alpha val="40000"/>
-                    </a:schemeClr>
-                  </a:outerShdw>
-                </a:effectLst>
-              </a:rPr>
-              <a:t>-Para alterar ou recuperar senha deverá ser enviado uma solicitação via e-mail ou celular.</a:t>
             </a:r>
             <a:endParaRPr lang="pt-BR" sz="2400" b="1" i="1" dirty="0">
               <a:ln w="0">
